--- a/Problem landscaping.pptx
+++ b/Problem landscaping.pptx
@@ -107,6 +107,11 @@
       </a:defRPr>
     </a:lvl9pPr>
   </p:defaultTextStyle>
+  <p:extLst>
+    <p:ext uri="{EFAFB233-063F-42B5-8137-9DF3F51BA10A}">
+      <p15:sldGuideLst xmlns:p15="http://schemas.microsoft.com/office/powerpoint/2012/main"/>
+    </p:ext>
+  </p:extLst>
 </p:presentation>
 </file>
 
@@ -442,7 +447,7 @@
             <a:fld id="{B61BEF0D-F0BB-DE4B-95CE-6DB70DBA9567}" type="datetimeFigureOut">
               <a:rPr lang="en-US" dirty="0"/>
               <a:pPr/>
-              <a:t>11/8/2023</a:t>
+              <a:t>11/9/2023</a:t>
             </a:fld>
             <a:endParaRPr lang="en-US" dirty="0"/>
           </a:p>
@@ -763,7 +768,7 @@
             <a:fld id="{B61BEF0D-F0BB-DE4B-95CE-6DB70DBA9567}" type="datetimeFigureOut">
               <a:rPr lang="en-US" dirty="0"/>
               <a:pPr/>
-              <a:t>11/8/2023</a:t>
+              <a:t>11/9/2023</a:t>
             </a:fld>
             <a:endParaRPr lang="en-US" dirty="0"/>
           </a:p>
@@ -1008,7 +1013,7 @@
             <a:fld id="{B61BEF0D-F0BB-DE4B-95CE-6DB70DBA9567}" type="datetimeFigureOut">
               <a:rPr lang="en-US" dirty="0"/>
               <a:pPr/>
-              <a:t>11/8/2023</a:t>
+              <a:t>11/9/2023</a:t>
             </a:fld>
             <a:endParaRPr lang="en-US" dirty="0"/>
           </a:p>
@@ -1344,7 +1349,7 @@
             <a:fld id="{B61BEF0D-F0BB-DE4B-95CE-6DB70DBA9567}" type="datetimeFigureOut">
               <a:rPr lang="en-US" dirty="0"/>
               <a:pPr/>
-              <a:t>11/8/2023</a:t>
+              <a:t>11/9/2023</a:t>
             </a:fld>
             <a:endParaRPr lang="en-US" dirty="0"/>
           </a:p>
@@ -1688,7 +1693,7 @@
             <a:fld id="{B61BEF0D-F0BB-DE4B-95CE-6DB70DBA9567}" type="datetimeFigureOut">
               <a:rPr lang="en-US" dirty="0"/>
               <a:pPr/>
-              <a:t>11/8/2023</a:t>
+              <a:t>11/9/2023</a:t>
             </a:fld>
             <a:endParaRPr lang="en-US" dirty="0"/>
           </a:p>
@@ -2059,7 +2064,7 @@
             <a:fld id="{B61BEF0D-F0BB-DE4B-95CE-6DB70DBA9567}" type="datetimeFigureOut">
               <a:rPr lang="en-US" dirty="0"/>
               <a:pPr/>
-              <a:t>11/8/2023</a:t>
+              <a:t>11/9/2023</a:t>
             </a:fld>
             <a:endParaRPr lang="en-US" dirty="0"/>
           </a:p>
@@ -2526,7 +2531,7 @@
             <a:fld id="{B61BEF0D-F0BB-DE4B-95CE-6DB70DBA9567}" type="datetimeFigureOut">
               <a:rPr lang="en-US" dirty="0"/>
               <a:pPr/>
-              <a:t>11/8/2023</a:t>
+              <a:t>11/9/2023</a:t>
             </a:fld>
             <a:endParaRPr lang="en-US" dirty="0"/>
           </a:p>
@@ -2728,7 +2733,7 @@
             <a:fld id="{B61BEF0D-F0BB-DE4B-95CE-6DB70DBA9567}" type="datetimeFigureOut">
               <a:rPr lang="en-US" dirty="0"/>
               <a:pPr/>
-              <a:t>11/8/2023</a:t>
+              <a:t>11/9/2023</a:t>
             </a:fld>
             <a:endParaRPr lang="en-US" dirty="0"/>
           </a:p>
@@ -2936,7 +2941,7 @@
             <a:fld id="{B61BEF0D-F0BB-DE4B-95CE-6DB70DBA9567}" type="datetimeFigureOut">
               <a:rPr lang="en-US" dirty="0"/>
               <a:pPr/>
-              <a:t>11/8/2023</a:t>
+              <a:t>11/9/2023</a:t>
             </a:fld>
             <a:endParaRPr lang="en-US" dirty="0"/>
           </a:p>
@@ -3164,7 +3169,7 @@
           <a:p>
             <a:fld id="{52647F38-B617-4D2F-AE0A-013F0C4D2C57}" type="datetimeFigureOut">
               <a:rPr lang="en-US" dirty="0"/>
-              <a:t>11/8/2023</a:t>
+              <a:t>11/9/2023</a:t>
             </a:fld>
             <a:endParaRPr lang="en-US" dirty="0"/>
           </a:p>
@@ -3408,7 +3413,7 @@
             <a:fld id="{B61BEF0D-F0BB-DE4B-95CE-6DB70DBA9567}" type="datetimeFigureOut">
               <a:rPr lang="en-US" dirty="0"/>
               <a:pPr/>
-              <a:t>11/8/2023</a:t>
+              <a:t>11/9/2023</a:t>
             </a:fld>
             <a:endParaRPr lang="en-US" dirty="0"/>
           </a:p>
@@ -3702,7 +3707,7 @@
           <a:p>
             <a:fld id="{05BFA754-D5C3-4E66-96A6-867B257F58DC}" type="datetimeFigureOut">
               <a:rPr lang="en-US" dirty="0"/>
-              <a:t>11/8/2023</a:t>
+              <a:t>11/9/2023</a:t>
             </a:fld>
             <a:endParaRPr lang="en-US" dirty="0"/>
           </a:p>
@@ -4092,7 +4097,7 @@
             <a:fld id="{B61BEF0D-F0BB-DE4B-95CE-6DB70DBA9567}" type="datetimeFigureOut">
               <a:rPr lang="en-US" dirty="0"/>
               <a:pPr/>
-              <a:t>11/8/2023</a:t>
+              <a:t>11/9/2023</a:t>
             </a:fld>
             <a:endParaRPr lang="en-US" dirty="0"/>
           </a:p>
@@ -4238,7 +4243,7 @@
             <a:fld id="{B61BEF0D-F0BB-DE4B-95CE-6DB70DBA9567}" type="datetimeFigureOut">
               <a:rPr lang="en-US" dirty="0"/>
               <a:pPr/>
-              <a:t>11/8/2023</a:t>
+              <a:t>11/9/2023</a:t>
             </a:fld>
             <a:endParaRPr lang="en-US" dirty="0"/>
           </a:p>
@@ -4361,7 +4366,7 @@
             <a:fld id="{B61BEF0D-F0BB-DE4B-95CE-6DB70DBA9567}" type="datetimeFigureOut">
               <a:rPr lang="en-US" dirty="0"/>
               <a:pPr/>
-              <a:t>11/8/2023</a:t>
+              <a:t>11/9/2023</a:t>
             </a:fld>
             <a:endParaRPr lang="en-US" dirty="0"/>
           </a:p>
@@ -4613,7 +4618,7 @@
             <a:fld id="{B61BEF0D-F0BB-DE4B-95CE-6DB70DBA9567}" type="datetimeFigureOut">
               <a:rPr lang="en-US" dirty="0"/>
               <a:pPr/>
-              <a:t>11/8/2023</a:t>
+              <a:t>11/9/2023</a:t>
             </a:fld>
             <a:endParaRPr lang="en-US" dirty="0"/>
           </a:p>
@@ -4925,7 +4930,7 @@
             <a:fld id="{B61BEF0D-F0BB-DE4B-95CE-6DB70DBA9567}" type="datetimeFigureOut">
               <a:rPr lang="en-US" dirty="0"/>
               <a:pPr/>
-              <a:t>11/8/2023</a:t>
+              <a:t>11/9/2023</a:t>
             </a:fld>
             <a:endParaRPr lang="en-US" dirty="0"/>
           </a:p>
@@ -5273,7 +5278,7 @@
             <a:fld id="{B61BEF0D-F0BB-DE4B-95CE-6DB70DBA9567}" type="datetimeFigureOut">
               <a:rPr lang="en-US" dirty="0"/>
               <a:pPr/>
-              <a:t>11/8/2023</a:t>
+              <a:t>11/9/2023</a:t>
             </a:fld>
             <a:endParaRPr lang="en-US" dirty="0"/>
           </a:p>
@@ -5852,7 +5857,31 @@
           <a:p>
             <a:r>
               <a:rPr lang="en-US" dirty="0" smtClean="0"/>
-              <a:t>Problem Landscape: Reducing the high number of insurance claims for smokers.</a:t>
+              <a:t>Problem Landscape: Reducing the </a:t>
+            </a:r>
+            <a:r>
+              <a:rPr lang="en-US" smtClean="0"/>
+              <a:t>high </a:t>
+            </a:r>
+            <a:r>
+              <a:rPr lang="en-US" smtClean="0"/>
+              <a:t>value</a:t>
+            </a:r>
+            <a:r>
+              <a:rPr lang="en-US" smtClean="0"/>
+              <a:t> </a:t>
+            </a:r>
+            <a:r>
+              <a:rPr lang="en-US" dirty="0" smtClean="0"/>
+              <a:t>of insurance </a:t>
+            </a:r>
+            <a:r>
+              <a:rPr lang="en-US" smtClean="0"/>
+              <a:t>claims among </a:t>
+            </a:r>
+            <a:r>
+              <a:rPr lang="en-US" dirty="0" smtClean="0"/>
+              <a:t>smokers.</a:t>
             </a:r>
             <a:endParaRPr lang="en-US" dirty="0"/>
           </a:p>
@@ -6014,7 +6043,17 @@
           <a:bodyPr/>
           <a:lstStyle/>
           <a:p>
-            <a:endParaRPr lang="en-US"/>
+            <a:r>
+              <a:rPr lang="en-US" dirty="0" smtClean="0"/>
+              <a:t>Why is the total claim amount for smokers is greater than non smokers?</a:t>
+            </a:r>
+          </a:p>
+          <a:p>
+            <a:r>
+              <a:rPr lang="en-US" dirty="0" smtClean="0"/>
+              <a:t>On average how many claims are declined from smokers compared to non smokers?</a:t>
+            </a:r>
+            <a:endParaRPr lang="en-US" dirty="0"/>
           </a:p>
         </p:txBody>
       </p:sp>
@@ -6086,7 +6125,23 @@
           <a:bodyPr/>
           <a:lstStyle/>
           <a:p>
-            <a:endParaRPr lang="en-US"/>
+            <a:r>
+              <a:rPr lang="en-US" dirty="0" smtClean="0"/>
+              <a:t>How can we promote healthy lifestyle amongst smokers?</a:t>
+            </a:r>
+          </a:p>
+          <a:p>
+            <a:r>
+              <a:rPr lang="en-US" dirty="0" smtClean="0"/>
+              <a:t>Is there any research that can highlight a typical lifestyle of a smoker?</a:t>
+            </a:r>
+          </a:p>
+          <a:p>
+            <a:r>
+              <a:rPr lang="en-US" dirty="0" smtClean="0"/>
+              <a:t> </a:t>
+            </a:r>
+            <a:endParaRPr lang="en-US" dirty="0"/>
           </a:p>
         </p:txBody>
       </p:sp>
